--- a/03_DOCUMENTS/Icons.pptx
+++ b/03_DOCUMENTS/Icons.pptx
@@ -6,6 +6,7 @@
   </p:sldMasterIdLst>
   <p:sldIdLst>
     <p:sldId id="256" r:id="rId2"/>
+    <p:sldId id="257" r:id="rId3"/>
   </p:sldIdLst>
   <p:sldSz cx="12192000" cy="6858000"/>
   <p:notesSz cx="6858000" cy="9144000"/>
@@ -238,7 +239,8 @@
           <a:p>
             <a:fld id="{816770E7-A24B-45C8-8E40-B15F57BF3A08}" type="datetimeFigureOut">
               <a:rPr lang="en-GB" smtClean="0"/>
-              <a:t>11/08/2018</a:t>
+              <a:pPr/>
+              <a:t>18/08/2018</a:t>
             </a:fld>
             <a:endParaRPr lang="en-GB"/>
           </a:p>
@@ -280,6 +282,7 @@
           <a:p>
             <a:fld id="{51032AD4-5EB8-4963-BB37-CA5F156C9B13}" type="slidenum">
               <a:rPr lang="en-GB" smtClean="0"/>
+              <a:pPr/>
               <a:t>‹#›</a:t>
             </a:fld>
             <a:endParaRPr lang="en-GB"/>
@@ -289,7 +292,7 @@
     </p:spTree>
     <p:extLst>
       <p:ext uri="{BB962C8B-B14F-4D97-AF65-F5344CB8AC3E}">
-        <p14:creationId xmlns:p14="http://schemas.microsoft.com/office/powerpoint/2010/main" val="4259717639"/>
+        <p14:creationId xmlns:p14="http://schemas.microsoft.com/office/powerpoint/2010/main" xmlns="" val="4259717639"/>
       </p:ext>
     </p:extLst>
   </p:cSld>
@@ -408,7 +411,8 @@
           <a:p>
             <a:fld id="{816770E7-A24B-45C8-8E40-B15F57BF3A08}" type="datetimeFigureOut">
               <a:rPr lang="en-GB" smtClean="0"/>
-              <a:t>11/08/2018</a:t>
+              <a:pPr/>
+              <a:t>18/08/2018</a:t>
             </a:fld>
             <a:endParaRPr lang="en-GB"/>
           </a:p>
@@ -450,6 +454,7 @@
           <a:p>
             <a:fld id="{51032AD4-5EB8-4963-BB37-CA5F156C9B13}" type="slidenum">
               <a:rPr lang="en-GB" smtClean="0"/>
+              <a:pPr/>
               <a:t>‹#›</a:t>
             </a:fld>
             <a:endParaRPr lang="en-GB"/>
@@ -459,7 +464,7 @@
     </p:spTree>
     <p:extLst>
       <p:ext uri="{BB962C8B-B14F-4D97-AF65-F5344CB8AC3E}">
-        <p14:creationId xmlns:p14="http://schemas.microsoft.com/office/powerpoint/2010/main" val="1251090510"/>
+        <p14:creationId xmlns:p14="http://schemas.microsoft.com/office/powerpoint/2010/main" xmlns="" val="1251090510"/>
       </p:ext>
     </p:extLst>
   </p:cSld>
@@ -588,7 +593,8 @@
           <a:p>
             <a:fld id="{816770E7-A24B-45C8-8E40-B15F57BF3A08}" type="datetimeFigureOut">
               <a:rPr lang="en-GB" smtClean="0"/>
-              <a:t>11/08/2018</a:t>
+              <a:pPr/>
+              <a:t>18/08/2018</a:t>
             </a:fld>
             <a:endParaRPr lang="en-GB"/>
           </a:p>
@@ -630,6 +636,7 @@
           <a:p>
             <a:fld id="{51032AD4-5EB8-4963-BB37-CA5F156C9B13}" type="slidenum">
               <a:rPr lang="en-GB" smtClean="0"/>
+              <a:pPr/>
               <a:t>‹#›</a:t>
             </a:fld>
             <a:endParaRPr lang="en-GB"/>
@@ -639,7 +646,7 @@
     </p:spTree>
     <p:extLst>
       <p:ext uri="{BB962C8B-B14F-4D97-AF65-F5344CB8AC3E}">
-        <p14:creationId xmlns:p14="http://schemas.microsoft.com/office/powerpoint/2010/main" val="3338650346"/>
+        <p14:creationId xmlns:p14="http://schemas.microsoft.com/office/powerpoint/2010/main" xmlns="" val="3338650346"/>
       </p:ext>
     </p:extLst>
   </p:cSld>
@@ -758,7 +765,8 @@
           <a:p>
             <a:fld id="{816770E7-A24B-45C8-8E40-B15F57BF3A08}" type="datetimeFigureOut">
               <a:rPr lang="en-GB" smtClean="0"/>
-              <a:t>11/08/2018</a:t>
+              <a:pPr/>
+              <a:t>18/08/2018</a:t>
             </a:fld>
             <a:endParaRPr lang="en-GB"/>
           </a:p>
@@ -800,6 +808,7 @@
           <a:p>
             <a:fld id="{51032AD4-5EB8-4963-BB37-CA5F156C9B13}" type="slidenum">
               <a:rPr lang="en-GB" smtClean="0"/>
+              <a:pPr/>
               <a:t>‹#›</a:t>
             </a:fld>
             <a:endParaRPr lang="en-GB"/>
@@ -809,7 +818,7 @@
     </p:spTree>
     <p:extLst>
       <p:ext uri="{BB962C8B-B14F-4D97-AF65-F5344CB8AC3E}">
-        <p14:creationId xmlns:p14="http://schemas.microsoft.com/office/powerpoint/2010/main" val="2487269001"/>
+        <p14:creationId xmlns:p14="http://schemas.microsoft.com/office/powerpoint/2010/main" xmlns="" val="2487269001"/>
       </p:ext>
     </p:extLst>
   </p:cSld>
@@ -1004,7 +1013,8 @@
           <a:p>
             <a:fld id="{816770E7-A24B-45C8-8E40-B15F57BF3A08}" type="datetimeFigureOut">
               <a:rPr lang="en-GB" smtClean="0"/>
-              <a:t>11/08/2018</a:t>
+              <a:pPr/>
+              <a:t>18/08/2018</a:t>
             </a:fld>
             <a:endParaRPr lang="en-GB"/>
           </a:p>
@@ -1046,6 +1056,7 @@
           <a:p>
             <a:fld id="{51032AD4-5EB8-4963-BB37-CA5F156C9B13}" type="slidenum">
               <a:rPr lang="en-GB" smtClean="0"/>
+              <a:pPr/>
               <a:t>‹#›</a:t>
             </a:fld>
             <a:endParaRPr lang="en-GB"/>
@@ -1055,7 +1066,7 @@
     </p:spTree>
     <p:extLst>
       <p:ext uri="{BB962C8B-B14F-4D97-AF65-F5344CB8AC3E}">
-        <p14:creationId xmlns:p14="http://schemas.microsoft.com/office/powerpoint/2010/main" val="2852636088"/>
+        <p14:creationId xmlns:p14="http://schemas.microsoft.com/office/powerpoint/2010/main" xmlns="" val="2852636088"/>
       </p:ext>
     </p:extLst>
   </p:cSld>
@@ -1236,7 +1247,8 @@
           <a:p>
             <a:fld id="{816770E7-A24B-45C8-8E40-B15F57BF3A08}" type="datetimeFigureOut">
               <a:rPr lang="en-GB" smtClean="0"/>
-              <a:t>11/08/2018</a:t>
+              <a:pPr/>
+              <a:t>18/08/2018</a:t>
             </a:fld>
             <a:endParaRPr lang="en-GB"/>
           </a:p>
@@ -1278,6 +1290,7 @@
           <a:p>
             <a:fld id="{51032AD4-5EB8-4963-BB37-CA5F156C9B13}" type="slidenum">
               <a:rPr lang="en-GB" smtClean="0"/>
+              <a:pPr/>
               <a:t>‹#›</a:t>
             </a:fld>
             <a:endParaRPr lang="en-GB"/>
@@ -1287,7 +1300,7 @@
     </p:spTree>
     <p:extLst>
       <p:ext uri="{BB962C8B-B14F-4D97-AF65-F5344CB8AC3E}">
-        <p14:creationId xmlns:p14="http://schemas.microsoft.com/office/powerpoint/2010/main" val="1958974172"/>
+        <p14:creationId xmlns:p14="http://schemas.microsoft.com/office/powerpoint/2010/main" xmlns="" val="1958974172"/>
       </p:ext>
     </p:extLst>
   </p:cSld>
@@ -1603,7 +1616,8 @@
           <a:p>
             <a:fld id="{816770E7-A24B-45C8-8E40-B15F57BF3A08}" type="datetimeFigureOut">
               <a:rPr lang="en-GB" smtClean="0"/>
-              <a:t>11/08/2018</a:t>
+              <a:pPr/>
+              <a:t>18/08/2018</a:t>
             </a:fld>
             <a:endParaRPr lang="en-GB"/>
           </a:p>
@@ -1645,6 +1659,7 @@
           <a:p>
             <a:fld id="{51032AD4-5EB8-4963-BB37-CA5F156C9B13}" type="slidenum">
               <a:rPr lang="en-GB" smtClean="0"/>
+              <a:pPr/>
               <a:t>‹#›</a:t>
             </a:fld>
             <a:endParaRPr lang="en-GB"/>
@@ -1654,7 +1669,7 @@
     </p:spTree>
     <p:extLst>
       <p:ext uri="{BB962C8B-B14F-4D97-AF65-F5344CB8AC3E}">
-        <p14:creationId xmlns:p14="http://schemas.microsoft.com/office/powerpoint/2010/main" val="2273428869"/>
+        <p14:creationId xmlns:p14="http://schemas.microsoft.com/office/powerpoint/2010/main" xmlns="" val="2273428869"/>
       </p:ext>
     </p:extLst>
   </p:cSld>
@@ -1721,7 +1736,8 @@
           <a:p>
             <a:fld id="{816770E7-A24B-45C8-8E40-B15F57BF3A08}" type="datetimeFigureOut">
               <a:rPr lang="en-GB" smtClean="0"/>
-              <a:t>11/08/2018</a:t>
+              <a:pPr/>
+              <a:t>18/08/2018</a:t>
             </a:fld>
             <a:endParaRPr lang="en-GB"/>
           </a:p>
@@ -1763,6 +1779,7 @@
           <a:p>
             <a:fld id="{51032AD4-5EB8-4963-BB37-CA5F156C9B13}" type="slidenum">
               <a:rPr lang="en-GB" smtClean="0"/>
+              <a:pPr/>
               <a:t>‹#›</a:t>
             </a:fld>
             <a:endParaRPr lang="en-GB"/>
@@ -1772,7 +1789,7 @@
     </p:spTree>
     <p:extLst>
       <p:ext uri="{BB962C8B-B14F-4D97-AF65-F5344CB8AC3E}">
-        <p14:creationId xmlns:p14="http://schemas.microsoft.com/office/powerpoint/2010/main" val="3759346590"/>
+        <p14:creationId xmlns:p14="http://schemas.microsoft.com/office/powerpoint/2010/main" xmlns="" val="3759346590"/>
       </p:ext>
     </p:extLst>
   </p:cSld>
@@ -1816,7 +1833,8 @@
           <a:p>
             <a:fld id="{816770E7-A24B-45C8-8E40-B15F57BF3A08}" type="datetimeFigureOut">
               <a:rPr lang="en-GB" smtClean="0"/>
-              <a:t>11/08/2018</a:t>
+              <a:pPr/>
+              <a:t>18/08/2018</a:t>
             </a:fld>
             <a:endParaRPr lang="en-GB"/>
           </a:p>
@@ -1858,6 +1876,7 @@
           <a:p>
             <a:fld id="{51032AD4-5EB8-4963-BB37-CA5F156C9B13}" type="slidenum">
               <a:rPr lang="en-GB" smtClean="0"/>
+              <a:pPr/>
               <a:t>‹#›</a:t>
             </a:fld>
             <a:endParaRPr lang="en-GB"/>
@@ -1867,7 +1886,7 @@
     </p:spTree>
     <p:extLst>
       <p:ext uri="{BB962C8B-B14F-4D97-AF65-F5344CB8AC3E}">
-        <p14:creationId xmlns:p14="http://schemas.microsoft.com/office/powerpoint/2010/main" val="2320881487"/>
+        <p14:creationId xmlns:p14="http://schemas.microsoft.com/office/powerpoint/2010/main" xmlns="" val="2320881487"/>
       </p:ext>
     </p:extLst>
   </p:cSld>
@@ -2093,7 +2112,8 @@
           <a:p>
             <a:fld id="{816770E7-A24B-45C8-8E40-B15F57BF3A08}" type="datetimeFigureOut">
               <a:rPr lang="en-GB" smtClean="0"/>
-              <a:t>11/08/2018</a:t>
+              <a:pPr/>
+              <a:t>18/08/2018</a:t>
             </a:fld>
             <a:endParaRPr lang="en-GB"/>
           </a:p>
@@ -2135,6 +2155,7 @@
           <a:p>
             <a:fld id="{51032AD4-5EB8-4963-BB37-CA5F156C9B13}" type="slidenum">
               <a:rPr lang="en-GB" smtClean="0"/>
+              <a:pPr/>
               <a:t>‹#›</a:t>
             </a:fld>
             <a:endParaRPr lang="en-GB"/>
@@ -2144,7 +2165,7 @@
     </p:spTree>
     <p:extLst>
       <p:ext uri="{BB962C8B-B14F-4D97-AF65-F5344CB8AC3E}">
-        <p14:creationId xmlns:p14="http://schemas.microsoft.com/office/powerpoint/2010/main" val="2915811058"/>
+        <p14:creationId xmlns:p14="http://schemas.microsoft.com/office/powerpoint/2010/main" xmlns="" val="2915811058"/>
       </p:ext>
     </p:extLst>
   </p:cSld>
@@ -2346,7 +2367,8 @@
           <a:p>
             <a:fld id="{816770E7-A24B-45C8-8E40-B15F57BF3A08}" type="datetimeFigureOut">
               <a:rPr lang="en-GB" smtClean="0"/>
-              <a:t>11/08/2018</a:t>
+              <a:pPr/>
+              <a:t>18/08/2018</a:t>
             </a:fld>
             <a:endParaRPr lang="en-GB"/>
           </a:p>
@@ -2388,6 +2410,7 @@
           <a:p>
             <a:fld id="{51032AD4-5EB8-4963-BB37-CA5F156C9B13}" type="slidenum">
               <a:rPr lang="en-GB" smtClean="0"/>
+              <a:pPr/>
               <a:t>‹#›</a:t>
             </a:fld>
             <a:endParaRPr lang="en-GB"/>
@@ -2397,7 +2420,7 @@
     </p:spTree>
     <p:extLst>
       <p:ext uri="{BB962C8B-B14F-4D97-AF65-F5344CB8AC3E}">
-        <p14:creationId xmlns:p14="http://schemas.microsoft.com/office/powerpoint/2010/main" val="932349011"/>
+        <p14:creationId xmlns:p14="http://schemas.microsoft.com/office/powerpoint/2010/main" xmlns="" val="932349011"/>
       </p:ext>
     </p:extLst>
   </p:cSld>
@@ -2559,7 +2582,8 @@
           <a:p>
             <a:fld id="{816770E7-A24B-45C8-8E40-B15F57BF3A08}" type="datetimeFigureOut">
               <a:rPr lang="en-GB" smtClean="0"/>
-              <a:t>11/08/2018</a:t>
+              <a:pPr/>
+              <a:t>18/08/2018</a:t>
             </a:fld>
             <a:endParaRPr lang="en-GB"/>
           </a:p>
@@ -2637,6 +2661,7 @@
           <a:p>
             <a:fld id="{51032AD4-5EB8-4963-BB37-CA5F156C9B13}" type="slidenum">
               <a:rPr lang="en-GB" smtClean="0"/>
+              <a:pPr/>
               <a:t>‹#›</a:t>
             </a:fld>
             <a:endParaRPr lang="en-GB"/>
@@ -2646,7 +2671,7 @@
     </p:spTree>
     <p:extLst>
       <p:ext uri="{BB962C8B-B14F-4D97-AF65-F5344CB8AC3E}">
-        <p14:creationId xmlns:p14="http://schemas.microsoft.com/office/powerpoint/2010/main" val="3447223207"/>
+        <p14:creationId xmlns:p14="http://schemas.microsoft.com/office/powerpoint/2010/main" xmlns="" val="3447223207"/>
       </p:ext>
     </p:extLst>
   </p:cSld>
@@ -3040,7 +3065,7 @@
             <a:blip r:embed="rId2">
               <a:extLst>
                 <a:ext uri="{28A0092B-C50C-407E-A947-70E740481C1C}">
-                  <a14:useLocalDpi xmlns:a14="http://schemas.microsoft.com/office/drawing/2010/main" val="0"/>
+                  <a14:useLocalDpi xmlns:a14="http://schemas.microsoft.com/office/drawing/2010/main" xmlns="" val="0"/>
                 </a:ext>
               </a:extLst>
             </a:blip>
@@ -3144,7 +3169,7 @@
             <a:blip r:embed="rId3">
               <a:extLst>
                 <a:ext uri="{28A0092B-C50C-407E-A947-70E740481C1C}">
-                  <a14:useLocalDpi xmlns:a14="http://schemas.microsoft.com/office/drawing/2010/main" val="0"/>
+                  <a14:useLocalDpi xmlns:a14="http://schemas.microsoft.com/office/drawing/2010/main" xmlns="" val="0"/>
                 </a:ext>
               </a:extLst>
             </a:blip>
@@ -3263,7 +3288,7 @@
             <a:blip r:embed="rId4">
               <a:extLst>
                 <a:ext uri="{28A0092B-C50C-407E-A947-70E740481C1C}">
-                  <a14:useLocalDpi xmlns:a14="http://schemas.microsoft.com/office/drawing/2010/main" val="0"/>
+                  <a14:useLocalDpi xmlns:a14="http://schemas.microsoft.com/office/drawing/2010/main" xmlns="" val="0"/>
                 </a:ext>
               </a:extLst>
             </a:blip>
@@ -3358,7 +3383,7 @@
             <a:blip r:embed="rId5">
               <a:extLst>
                 <a:ext uri="{28A0092B-C50C-407E-A947-70E740481C1C}">
-                  <a14:useLocalDpi xmlns:a14="http://schemas.microsoft.com/office/drawing/2010/main" val="0"/>
+                  <a14:useLocalDpi xmlns:a14="http://schemas.microsoft.com/office/drawing/2010/main" xmlns="" val="0"/>
                 </a:ext>
               </a:extLst>
             </a:blip>
@@ -3453,7 +3478,7 @@
             <a:blip r:embed="rId6">
               <a:extLst>
                 <a:ext uri="{28A0092B-C50C-407E-A947-70E740481C1C}">
-                  <a14:useLocalDpi xmlns:a14="http://schemas.microsoft.com/office/drawing/2010/main" val="0"/>
+                  <a14:useLocalDpi xmlns:a14="http://schemas.microsoft.com/office/drawing/2010/main" xmlns="" val="0"/>
                 </a:ext>
               </a:extLst>
             </a:blip>
@@ -3548,7 +3573,7 @@
             <a:blip r:embed="rId7">
               <a:extLst>
                 <a:ext uri="{28A0092B-C50C-407E-A947-70E740481C1C}">
-                  <a14:useLocalDpi xmlns:a14="http://schemas.microsoft.com/office/drawing/2010/main" val="0"/>
+                  <a14:useLocalDpi xmlns:a14="http://schemas.microsoft.com/office/drawing/2010/main" xmlns="" val="0"/>
                 </a:ext>
               </a:extLst>
             </a:blip>
@@ -3570,7 +3595,355 @@
     </p:spTree>
     <p:extLst>
       <p:ext uri="{BB962C8B-B14F-4D97-AF65-F5344CB8AC3E}">
-        <p14:creationId xmlns:p14="http://schemas.microsoft.com/office/powerpoint/2010/main" val="2069376576"/>
+        <p14:creationId xmlns:p14="http://schemas.microsoft.com/office/powerpoint/2010/main" xmlns="" val="2069376576"/>
+      </p:ext>
+    </p:extLst>
+  </p:cSld>
+  <p:clrMapOvr>
+    <a:masterClrMapping/>
+  </p:clrMapOvr>
+  <p:timing>
+    <p:tnLst>
+      <p:par>
+        <p:cTn id="1" dur="indefinite" restart="never" nodeType="tmRoot"/>
+      </p:par>
+    </p:tnLst>
+  </p:timing>
+</p:sld>
+</file>
+
+<file path=ppt/slides/slide2.xml><?xml version="1.0" encoding="utf-8"?>
+<p:sld xmlns:a="http://schemas.openxmlformats.org/drawingml/2006/main" xmlns:r="http://schemas.openxmlformats.org/officeDocument/2006/relationships" xmlns:p="http://schemas.openxmlformats.org/presentationml/2006/main">
+  <p:cSld>
+    <p:spTree>
+      <p:nvGrpSpPr>
+        <p:cNvPr id="1" name=""/>
+        <p:cNvGrpSpPr/>
+        <p:nvPr/>
+      </p:nvGrpSpPr>
+      <p:grpSpPr>
+        <a:xfrm>
+          <a:off x="0" y="0"/>
+          <a:ext cx="0" cy="0"/>
+          <a:chOff x="0" y="0"/>
+          <a:chExt cx="0" cy="0"/>
+        </a:xfrm>
+      </p:grpSpPr>
+      <p:sp>
+        <p:nvSpPr>
+          <p:cNvPr id="4" name="Rectangle 3"/>
+          <p:cNvSpPr>
+            <a:spLocks/>
+          </p:cNvSpPr>
+          <p:nvPr/>
+        </p:nvSpPr>
+        <p:spPr>
+          <a:xfrm>
+            <a:off x="174351" y="3555111"/>
+            <a:ext cx="2688336" cy="2688336"/>
+          </a:xfrm>
+          <a:prstGeom prst="roundRect">
+            <a:avLst/>
+          </a:prstGeom>
+          <a:ln>
+            <a:noFill/>
+          </a:ln>
+          <a:scene3d>
+            <a:camera prst="orthographicFront"/>
+            <a:lightRig rig="threePt" dir="t"/>
+          </a:scene3d>
+          <a:sp3d>
+            <a:bevelT w="114300" prst="hardEdge"/>
+          </a:sp3d>
+        </p:spPr>
+        <p:style>
+          <a:lnRef idx="0">
+            <a:schemeClr val="accent1"/>
+          </a:lnRef>
+          <a:fillRef idx="3">
+            <a:schemeClr val="accent1"/>
+          </a:fillRef>
+          <a:effectRef idx="3">
+            <a:schemeClr val="accent1"/>
+          </a:effectRef>
+          <a:fontRef idx="minor">
+            <a:schemeClr val="lt1"/>
+          </a:fontRef>
+        </p:style>
+        <p:txBody>
+          <a:bodyPr rtlCol="0" anchor="ctr"/>
+          <a:lstStyle/>
+          <a:p>
+            <a:pPr algn="ctr"/>
+            <a:endParaRPr lang="en-GB"/>
+          </a:p>
+        </p:txBody>
+      </p:sp>
+      <p:sp>
+        <p:nvSpPr>
+          <p:cNvPr id="23" name="Rectangle 3"/>
+          <p:cNvSpPr>
+            <a:spLocks/>
+          </p:cNvSpPr>
+          <p:nvPr/>
+        </p:nvSpPr>
+        <p:spPr>
+          <a:xfrm>
+            <a:off x="3265932" y="3555111"/>
+            <a:ext cx="2688336" cy="2688336"/>
+          </a:xfrm>
+          <a:prstGeom prst="roundRect">
+            <a:avLst/>
+          </a:prstGeom>
+          <a:ln>
+            <a:noFill/>
+          </a:ln>
+          <a:scene3d>
+            <a:camera prst="orthographicFront"/>
+            <a:lightRig rig="threePt" dir="t"/>
+          </a:scene3d>
+          <a:sp3d>
+            <a:bevelT w="114300" prst="hardEdge"/>
+          </a:sp3d>
+        </p:spPr>
+        <p:style>
+          <a:lnRef idx="0">
+            <a:schemeClr val="accent1"/>
+          </a:lnRef>
+          <a:fillRef idx="3">
+            <a:schemeClr val="accent1"/>
+          </a:fillRef>
+          <a:effectRef idx="3">
+            <a:schemeClr val="accent1"/>
+          </a:effectRef>
+          <a:fontRef idx="minor">
+            <a:schemeClr val="lt1"/>
+          </a:fontRef>
+        </p:style>
+        <p:txBody>
+          <a:bodyPr rtlCol="0" anchor="ctr"/>
+          <a:lstStyle/>
+          <a:p>
+            <a:pPr algn="ctr"/>
+            <a:endParaRPr lang="en-GB"/>
+          </a:p>
+        </p:txBody>
+      </p:sp>
+      <p:sp>
+        <p:nvSpPr>
+          <p:cNvPr id="28" name="Rectangle 3"/>
+          <p:cNvSpPr>
+            <a:spLocks/>
+          </p:cNvSpPr>
+          <p:nvPr/>
+        </p:nvSpPr>
+        <p:spPr>
+          <a:xfrm>
+            <a:off x="6517521" y="3554889"/>
+            <a:ext cx="2688336" cy="2688336"/>
+          </a:xfrm>
+          <a:prstGeom prst="roundRect">
+            <a:avLst/>
+          </a:prstGeom>
+          <a:ln>
+            <a:noFill/>
+          </a:ln>
+          <a:scene3d>
+            <a:camera prst="orthographicFront"/>
+            <a:lightRig rig="threePt" dir="t"/>
+          </a:scene3d>
+          <a:sp3d>
+            <a:bevelT w="114300" prst="hardEdge"/>
+          </a:sp3d>
+        </p:spPr>
+        <p:style>
+          <a:lnRef idx="0">
+            <a:schemeClr val="accent1"/>
+          </a:lnRef>
+          <a:fillRef idx="3">
+            <a:schemeClr val="accent1"/>
+          </a:fillRef>
+          <a:effectRef idx="3">
+            <a:schemeClr val="accent1"/>
+          </a:effectRef>
+          <a:fontRef idx="minor">
+            <a:schemeClr val="lt1"/>
+          </a:fontRef>
+        </p:style>
+        <p:txBody>
+          <a:bodyPr rtlCol="0" anchor="ctr"/>
+          <a:lstStyle/>
+          <a:p>
+            <a:pPr algn="ctr"/>
+            <a:endParaRPr lang="en-GB"/>
+          </a:p>
+        </p:txBody>
+      </p:sp>
+      <p:grpSp>
+        <p:nvGrpSpPr>
+          <p:cNvPr id="26" name="Group 25"/>
+          <p:cNvGrpSpPr/>
+          <p:nvPr/>
+        </p:nvGrpSpPr>
+        <p:grpSpPr>
+          <a:xfrm>
+            <a:off x="231941" y="238124"/>
+            <a:ext cx="10497578" cy="3238243"/>
+            <a:chOff x="231941" y="238124"/>
+            <a:chExt cx="10497578" cy="3238243"/>
+          </a:xfrm>
+        </p:grpSpPr>
+        <p:sp>
+          <p:nvSpPr>
+            <p:cNvPr id="9" name="Rectangle 3"/>
+            <p:cNvSpPr>
+              <a:spLocks/>
+            </p:cNvSpPr>
+            <p:nvPr/>
+          </p:nvSpPr>
+          <p:spPr>
+            <a:xfrm>
+              <a:off x="231941" y="238124"/>
+              <a:ext cx="10497578" cy="3238243"/>
+            </a:xfrm>
+            <a:prstGeom prst="roundRect">
+              <a:avLst/>
+            </a:prstGeom>
+            <a:ln>
+              <a:noFill/>
+            </a:ln>
+            <a:scene3d>
+              <a:camera prst="orthographicFront"/>
+              <a:lightRig rig="threePt" dir="t"/>
+            </a:scene3d>
+            <a:sp3d>
+              <a:bevelT w="114300" prst="hardEdge"/>
+            </a:sp3d>
+          </p:spPr>
+          <p:style>
+            <a:lnRef idx="0">
+              <a:schemeClr val="accent1"/>
+            </a:lnRef>
+            <a:fillRef idx="3">
+              <a:schemeClr val="accent1"/>
+            </a:fillRef>
+            <a:effectRef idx="3">
+              <a:schemeClr val="accent1"/>
+            </a:effectRef>
+            <a:fontRef idx="minor">
+              <a:schemeClr val="lt1"/>
+            </a:fontRef>
+          </p:style>
+          <p:txBody>
+            <a:bodyPr rtlCol="0" anchor="ctr"/>
+            <a:lstStyle/>
+            <a:p>
+              <a:pPr algn="ctr"/>
+              <a:endParaRPr lang="en-GB"/>
+            </a:p>
+          </p:txBody>
+        </p:sp>
+        <p:pic>
+          <p:nvPicPr>
+            <p:cNvPr id="20" name="Picture 19" descr="Skills.jpg"/>
+            <p:cNvPicPr>
+              <a:picLocks noChangeAspect="1"/>
+            </p:cNvPicPr>
+            <p:nvPr/>
+          </p:nvPicPr>
+          <p:blipFill>
+            <a:blip r:embed="rId2"/>
+            <a:stretch>
+              <a:fillRect/>
+            </a:stretch>
+          </p:blipFill>
+          <p:spPr>
+            <a:xfrm>
+              <a:off x="490666" y="1416909"/>
+              <a:ext cx="2886848" cy="1787610"/>
+            </a:xfrm>
+            <a:prstGeom prst="rect">
+              <a:avLst/>
+            </a:prstGeom>
+          </p:spPr>
+        </p:pic>
+        <p:pic>
+          <p:nvPicPr>
+            <p:cNvPr id="21" name="Picture 20" descr="SkillMatrix_1.png"/>
+            <p:cNvPicPr>
+              <a:picLocks noChangeAspect="1"/>
+            </p:cNvPicPr>
+            <p:nvPr/>
+          </p:nvPicPr>
+          <p:blipFill>
+            <a:blip r:embed="rId3"/>
+            <a:stretch>
+              <a:fillRect/>
+            </a:stretch>
+          </p:blipFill>
+          <p:spPr>
+            <a:xfrm>
+              <a:off x="3390386" y="339680"/>
+              <a:ext cx="2857500" cy="2867025"/>
+            </a:xfrm>
+            <a:prstGeom prst="rect">
+              <a:avLst/>
+            </a:prstGeom>
+          </p:spPr>
+        </p:pic>
+        <p:pic>
+          <p:nvPicPr>
+            <p:cNvPr id="22" name="Picture 21" descr="Welcome-To.jpg"/>
+            <p:cNvPicPr>
+              <a:picLocks noChangeAspect="1"/>
+            </p:cNvPicPr>
+            <p:nvPr/>
+          </p:nvPicPr>
+          <p:blipFill>
+            <a:blip r:embed="rId4" cstate="print"/>
+            <a:stretch>
+              <a:fillRect/>
+            </a:stretch>
+          </p:blipFill>
+          <p:spPr>
+            <a:xfrm>
+              <a:off x="510745" y="339831"/>
+              <a:ext cx="2866768" cy="1142980"/>
+            </a:xfrm>
+            <a:prstGeom prst="rect">
+              <a:avLst/>
+            </a:prstGeom>
+          </p:spPr>
+        </p:pic>
+        <p:pic>
+          <p:nvPicPr>
+            <p:cNvPr id="24" name="Picture 23" descr="Management.jpg"/>
+            <p:cNvPicPr>
+              <a:picLocks noChangeAspect="1"/>
+            </p:cNvPicPr>
+            <p:nvPr/>
+          </p:nvPicPr>
+          <p:blipFill>
+            <a:blip r:embed="rId5"/>
+            <a:stretch>
+              <a:fillRect/>
+            </a:stretch>
+          </p:blipFill>
+          <p:spPr>
+            <a:xfrm>
+              <a:off x="6273415" y="355283"/>
+              <a:ext cx="4212823" cy="2866089"/>
+            </a:xfrm>
+            <a:prstGeom prst="rect">
+              <a:avLst/>
+            </a:prstGeom>
+          </p:spPr>
+        </p:pic>
+      </p:grpSp>
+    </p:spTree>
+    <p:extLst>
+      <p:ext uri="{BB962C8B-B14F-4D97-AF65-F5344CB8AC3E}">
+        <p14:creationId xmlns:p14="http://schemas.microsoft.com/office/powerpoint/2010/main" xmlns="" val="2069376576"/>
       </p:ext>
     </p:extLst>
   </p:cSld>
@@ -3630,7 +4003,7 @@
     </a:clrScheme>
     <a:fontScheme name="Office">
       <a:majorFont>
-        <a:latin typeface="Calibri Light" panose="020F0302020204030204"/>
+        <a:latin typeface="Calibri Light"/>
         <a:ea typeface=""/>
         <a:cs typeface=""/>
         <a:font script="Jpan" typeface="游ゴシック Light"/>
@@ -3665,7 +4038,7 @@
         <a:font script="Geor" typeface="Sylfaen"/>
       </a:majorFont>
       <a:minorFont>
-        <a:latin typeface="Calibri" panose="020F0502020204030204"/>
+        <a:latin typeface="Calibri"/>
         <a:ea typeface=""/>
         <a:cs typeface=""/>
         <a:font script="Jpan" typeface="游ゴシック"/>
@@ -3842,7 +4215,7 @@
   <a:extraClrSchemeLst/>
   <a:extLst>
     <a:ext uri="{05A4C25C-085E-4340-85A3-A5531E510DB2}">
-      <thm15:themeFamily xmlns:thm15="http://schemas.microsoft.com/office/thememl/2012/main" name="Office Theme" id="{62F939B6-93AF-4DB8-9C6B-D6C7DFDC589F}" vid="{4A3C46E8-61CC-4603-A589-7422A47A8E4A}"/>
+      <thm15:themeFamily xmlns:thm15="http://schemas.microsoft.com/office/thememl/2012/main" xmlns="" name="Office Theme" id="{62F939B6-93AF-4DB8-9C6B-D6C7DFDC589F}" vid="{4A3C46E8-61CC-4603-A589-7422A47A8E4A}"/>
     </a:ext>
   </a:extLst>
 </a:theme>

--- a/03_DOCUMENTS/Icons.pptx
+++ b/03_DOCUMENTS/Icons.pptx
@@ -7,6 +7,9 @@
   <p:sldIdLst>
     <p:sldId id="256" r:id="rId2"/>
     <p:sldId id="257" r:id="rId3"/>
+    <p:sldId id="258" r:id="rId4"/>
+    <p:sldId id="259" r:id="rId5"/>
+    <p:sldId id="260" r:id="rId6"/>
   </p:sldIdLst>
   <p:sldSz cx="12192000" cy="6858000"/>
   <p:notesSz cx="6858000" cy="9144000"/>
@@ -105,6 +108,22 @@
       </a:defRPr>
     </a:lvl9pPr>
   </p:defaultTextStyle>
+  <p:extLst>
+    <p:ext uri="{EFAFB233-063F-42B5-8137-9DF3F51BA10A}">
+      <p15:sldGuideLst xmlns:p15="http://schemas.microsoft.com/office/powerpoint/2012/main" xmlns="">
+        <p15:guide id="1" orient="horz" pos="2160">
+          <p15:clr>
+            <a:srgbClr val="A4A3A4"/>
+          </p15:clr>
+        </p15:guide>
+        <p15:guide id="2" pos="3840">
+          <p15:clr>
+            <a:srgbClr val="A4A3A4"/>
+          </p15:clr>
+        </p15:guide>
+      </p15:sldGuideLst>
+    </p:ext>
+  </p:extLst>
 </p:presentation>
 </file>
 
@@ -240,7 +259,7 @@
             <a:fld id="{816770E7-A24B-45C8-8E40-B15F57BF3A08}" type="datetimeFigureOut">
               <a:rPr lang="en-GB" smtClean="0"/>
               <a:pPr/>
-              <a:t>18/08/2018</a:t>
+              <a:t>20/09/2018</a:t>
             </a:fld>
             <a:endParaRPr lang="en-GB"/>
           </a:p>
@@ -412,7 +431,7 @@
             <a:fld id="{816770E7-A24B-45C8-8E40-B15F57BF3A08}" type="datetimeFigureOut">
               <a:rPr lang="en-GB" smtClean="0"/>
               <a:pPr/>
-              <a:t>18/08/2018</a:t>
+              <a:t>20/09/2018</a:t>
             </a:fld>
             <a:endParaRPr lang="en-GB"/>
           </a:p>
@@ -594,7 +613,7 @@
             <a:fld id="{816770E7-A24B-45C8-8E40-B15F57BF3A08}" type="datetimeFigureOut">
               <a:rPr lang="en-GB" smtClean="0"/>
               <a:pPr/>
-              <a:t>18/08/2018</a:t>
+              <a:t>20/09/2018</a:t>
             </a:fld>
             <a:endParaRPr lang="en-GB"/>
           </a:p>
@@ -766,7 +785,7 @@
             <a:fld id="{816770E7-A24B-45C8-8E40-B15F57BF3A08}" type="datetimeFigureOut">
               <a:rPr lang="en-GB" smtClean="0"/>
               <a:pPr/>
-              <a:t>18/08/2018</a:t>
+              <a:t>20/09/2018</a:t>
             </a:fld>
             <a:endParaRPr lang="en-GB"/>
           </a:p>
@@ -1014,7 +1033,7 @@
             <a:fld id="{816770E7-A24B-45C8-8E40-B15F57BF3A08}" type="datetimeFigureOut">
               <a:rPr lang="en-GB" smtClean="0"/>
               <a:pPr/>
-              <a:t>18/08/2018</a:t>
+              <a:t>20/09/2018</a:t>
             </a:fld>
             <a:endParaRPr lang="en-GB"/>
           </a:p>
@@ -1248,7 +1267,7 @@
             <a:fld id="{816770E7-A24B-45C8-8E40-B15F57BF3A08}" type="datetimeFigureOut">
               <a:rPr lang="en-GB" smtClean="0"/>
               <a:pPr/>
-              <a:t>18/08/2018</a:t>
+              <a:t>20/09/2018</a:t>
             </a:fld>
             <a:endParaRPr lang="en-GB"/>
           </a:p>
@@ -1617,7 +1636,7 @@
             <a:fld id="{816770E7-A24B-45C8-8E40-B15F57BF3A08}" type="datetimeFigureOut">
               <a:rPr lang="en-GB" smtClean="0"/>
               <a:pPr/>
-              <a:t>18/08/2018</a:t>
+              <a:t>20/09/2018</a:t>
             </a:fld>
             <a:endParaRPr lang="en-GB"/>
           </a:p>
@@ -1737,7 +1756,7 @@
             <a:fld id="{816770E7-A24B-45C8-8E40-B15F57BF3A08}" type="datetimeFigureOut">
               <a:rPr lang="en-GB" smtClean="0"/>
               <a:pPr/>
-              <a:t>18/08/2018</a:t>
+              <a:t>20/09/2018</a:t>
             </a:fld>
             <a:endParaRPr lang="en-GB"/>
           </a:p>
@@ -1834,7 +1853,7 @@
             <a:fld id="{816770E7-A24B-45C8-8E40-B15F57BF3A08}" type="datetimeFigureOut">
               <a:rPr lang="en-GB" smtClean="0"/>
               <a:pPr/>
-              <a:t>18/08/2018</a:t>
+              <a:t>20/09/2018</a:t>
             </a:fld>
             <a:endParaRPr lang="en-GB"/>
           </a:p>
@@ -2113,7 +2132,7 @@
             <a:fld id="{816770E7-A24B-45C8-8E40-B15F57BF3A08}" type="datetimeFigureOut">
               <a:rPr lang="en-GB" smtClean="0"/>
               <a:pPr/>
-              <a:t>18/08/2018</a:t>
+              <a:t>20/09/2018</a:t>
             </a:fld>
             <a:endParaRPr lang="en-GB"/>
           </a:p>
@@ -2368,7 +2387,7 @@
             <a:fld id="{816770E7-A24B-45C8-8E40-B15F57BF3A08}" type="datetimeFigureOut">
               <a:rPr lang="en-GB" smtClean="0"/>
               <a:pPr/>
-              <a:t>18/08/2018</a:t>
+              <a:t>20/09/2018</a:t>
             </a:fld>
             <a:endParaRPr lang="en-GB"/>
           </a:p>
@@ -2583,7 +2602,7 @@
             <a:fld id="{816770E7-A24B-45C8-8E40-B15F57BF3A08}" type="datetimeFigureOut">
               <a:rPr lang="en-GB" smtClean="0"/>
               <a:pPr/>
-              <a:t>18/08/2018</a:t>
+              <a:t>20/09/2018</a:t>
             </a:fld>
             <a:endParaRPr lang="en-GB"/>
           </a:p>
@@ -3629,156 +3648,6 @@
           <a:chExt cx="0" cy="0"/>
         </a:xfrm>
       </p:grpSpPr>
-      <p:sp>
-        <p:nvSpPr>
-          <p:cNvPr id="4" name="Rectangle 3"/>
-          <p:cNvSpPr>
-            <a:spLocks/>
-          </p:cNvSpPr>
-          <p:nvPr/>
-        </p:nvSpPr>
-        <p:spPr>
-          <a:xfrm>
-            <a:off x="174351" y="3555111"/>
-            <a:ext cx="2688336" cy="2688336"/>
-          </a:xfrm>
-          <a:prstGeom prst="roundRect">
-            <a:avLst/>
-          </a:prstGeom>
-          <a:ln>
-            <a:noFill/>
-          </a:ln>
-          <a:scene3d>
-            <a:camera prst="orthographicFront"/>
-            <a:lightRig rig="threePt" dir="t"/>
-          </a:scene3d>
-          <a:sp3d>
-            <a:bevelT w="114300" prst="hardEdge"/>
-          </a:sp3d>
-        </p:spPr>
-        <p:style>
-          <a:lnRef idx="0">
-            <a:schemeClr val="accent1"/>
-          </a:lnRef>
-          <a:fillRef idx="3">
-            <a:schemeClr val="accent1"/>
-          </a:fillRef>
-          <a:effectRef idx="3">
-            <a:schemeClr val="accent1"/>
-          </a:effectRef>
-          <a:fontRef idx="minor">
-            <a:schemeClr val="lt1"/>
-          </a:fontRef>
-        </p:style>
-        <p:txBody>
-          <a:bodyPr rtlCol="0" anchor="ctr"/>
-          <a:lstStyle/>
-          <a:p>
-            <a:pPr algn="ctr"/>
-            <a:endParaRPr lang="en-GB"/>
-          </a:p>
-        </p:txBody>
-      </p:sp>
-      <p:sp>
-        <p:nvSpPr>
-          <p:cNvPr id="23" name="Rectangle 3"/>
-          <p:cNvSpPr>
-            <a:spLocks/>
-          </p:cNvSpPr>
-          <p:nvPr/>
-        </p:nvSpPr>
-        <p:spPr>
-          <a:xfrm>
-            <a:off x="3265932" y="3555111"/>
-            <a:ext cx="2688336" cy="2688336"/>
-          </a:xfrm>
-          <a:prstGeom prst="roundRect">
-            <a:avLst/>
-          </a:prstGeom>
-          <a:ln>
-            <a:noFill/>
-          </a:ln>
-          <a:scene3d>
-            <a:camera prst="orthographicFront"/>
-            <a:lightRig rig="threePt" dir="t"/>
-          </a:scene3d>
-          <a:sp3d>
-            <a:bevelT w="114300" prst="hardEdge"/>
-          </a:sp3d>
-        </p:spPr>
-        <p:style>
-          <a:lnRef idx="0">
-            <a:schemeClr val="accent1"/>
-          </a:lnRef>
-          <a:fillRef idx="3">
-            <a:schemeClr val="accent1"/>
-          </a:fillRef>
-          <a:effectRef idx="3">
-            <a:schemeClr val="accent1"/>
-          </a:effectRef>
-          <a:fontRef idx="minor">
-            <a:schemeClr val="lt1"/>
-          </a:fontRef>
-        </p:style>
-        <p:txBody>
-          <a:bodyPr rtlCol="0" anchor="ctr"/>
-          <a:lstStyle/>
-          <a:p>
-            <a:pPr algn="ctr"/>
-            <a:endParaRPr lang="en-GB"/>
-          </a:p>
-        </p:txBody>
-      </p:sp>
-      <p:sp>
-        <p:nvSpPr>
-          <p:cNvPr id="28" name="Rectangle 3"/>
-          <p:cNvSpPr>
-            <a:spLocks/>
-          </p:cNvSpPr>
-          <p:nvPr/>
-        </p:nvSpPr>
-        <p:spPr>
-          <a:xfrm>
-            <a:off x="6517521" y="3554889"/>
-            <a:ext cx="2688336" cy="2688336"/>
-          </a:xfrm>
-          <a:prstGeom prst="roundRect">
-            <a:avLst/>
-          </a:prstGeom>
-          <a:ln>
-            <a:noFill/>
-          </a:ln>
-          <a:scene3d>
-            <a:camera prst="orthographicFront"/>
-            <a:lightRig rig="threePt" dir="t"/>
-          </a:scene3d>
-          <a:sp3d>
-            <a:bevelT w="114300" prst="hardEdge"/>
-          </a:sp3d>
-        </p:spPr>
-        <p:style>
-          <a:lnRef idx="0">
-            <a:schemeClr val="accent1"/>
-          </a:lnRef>
-          <a:fillRef idx="3">
-            <a:schemeClr val="accent1"/>
-          </a:fillRef>
-          <a:effectRef idx="3">
-            <a:schemeClr val="accent1"/>
-          </a:effectRef>
-          <a:fontRef idx="minor">
-            <a:schemeClr val="lt1"/>
-          </a:fontRef>
-        </p:style>
-        <p:txBody>
-          <a:bodyPr rtlCol="0" anchor="ctr"/>
-          <a:lstStyle/>
-          <a:p>
-            <a:pPr algn="ctr"/>
-            <a:endParaRPr lang="en-GB"/>
-          </a:p>
-        </p:txBody>
-      </p:sp>
       <p:grpSp>
         <p:nvGrpSpPr>
           <p:cNvPr id="26" name="Group 25"/>
@@ -3940,6 +3809,195 @@
           </p:spPr>
         </p:pic>
       </p:grpSp>
+      <p:grpSp>
+        <p:nvGrpSpPr>
+          <p:cNvPr id="3" name="Group 2"/>
+          <p:cNvGrpSpPr/>
+          <p:nvPr/>
+        </p:nvGrpSpPr>
+        <p:grpSpPr>
+          <a:xfrm>
+            <a:off x="174351" y="3555111"/>
+            <a:ext cx="2688336" cy="2688336"/>
+            <a:chOff x="174351" y="3555111"/>
+            <a:chExt cx="2688336" cy="2688336"/>
+          </a:xfrm>
+        </p:grpSpPr>
+        <p:sp>
+          <p:nvSpPr>
+            <p:cNvPr id="4" name="Rectangle 3"/>
+            <p:cNvSpPr>
+              <a:spLocks/>
+            </p:cNvSpPr>
+            <p:nvPr/>
+          </p:nvSpPr>
+          <p:spPr>
+            <a:xfrm>
+              <a:off x="174351" y="3555111"/>
+              <a:ext cx="2688336" cy="2688336"/>
+            </a:xfrm>
+            <a:prstGeom prst="roundRect">
+              <a:avLst/>
+            </a:prstGeom>
+            <a:ln>
+              <a:noFill/>
+            </a:ln>
+            <a:scene3d>
+              <a:camera prst="orthographicFront"/>
+              <a:lightRig rig="threePt" dir="t"/>
+            </a:scene3d>
+            <a:sp3d>
+              <a:bevelT w="114300" prst="hardEdge"/>
+            </a:sp3d>
+          </p:spPr>
+          <p:style>
+            <a:lnRef idx="0">
+              <a:schemeClr val="accent1"/>
+            </a:lnRef>
+            <a:fillRef idx="3">
+              <a:schemeClr val="accent1"/>
+            </a:fillRef>
+            <a:effectRef idx="3">
+              <a:schemeClr val="accent1"/>
+            </a:effectRef>
+            <a:fontRef idx="minor">
+              <a:schemeClr val="lt1"/>
+            </a:fontRef>
+          </p:style>
+          <p:txBody>
+            <a:bodyPr rtlCol="0" anchor="ctr"/>
+            <a:lstStyle/>
+            <a:p>
+              <a:pPr algn="ctr"/>
+              <a:endParaRPr lang="en-GB"/>
+            </a:p>
+          </p:txBody>
+        </p:sp>
+        <p:pic>
+          <p:nvPicPr>
+            <p:cNvPr id="2" name="Picture 1"/>
+            <p:cNvPicPr>
+              <a:picLocks noChangeAspect="1"/>
+            </p:cNvPicPr>
+            <p:nvPr/>
+          </p:nvPicPr>
+          <p:blipFill rotWithShape="1">
+            <a:blip r:embed="rId6" cstate="print">
+              <a:extLst>
+                <a:ext uri="{28A0092B-C50C-407E-A947-70E740481C1C}">
+                  <a14:useLocalDpi xmlns:a14="http://schemas.microsoft.com/office/drawing/2010/main" xmlns="" val="0"/>
+                </a:ext>
+              </a:extLst>
+            </a:blip>
+            <a:srcRect l="1" r="2614" b="4023"/>
+            <a:stretch/>
+          </p:blipFill>
+          <p:spPr>
+            <a:xfrm>
+              <a:off x="339424" y="3713748"/>
+              <a:ext cx="2363255" cy="2399717"/>
+            </a:xfrm>
+            <a:prstGeom prst="rect">
+              <a:avLst/>
+            </a:prstGeom>
+          </p:spPr>
+        </p:pic>
+      </p:grpSp>
+      <p:grpSp>
+        <p:nvGrpSpPr>
+          <p:cNvPr id="6" name="Group 5"/>
+          <p:cNvGrpSpPr/>
+          <p:nvPr/>
+        </p:nvGrpSpPr>
+        <p:grpSpPr>
+          <a:xfrm>
+            <a:off x="3265932" y="3555111"/>
+            <a:ext cx="2688336" cy="2688336"/>
+            <a:chOff x="3265932" y="3555111"/>
+            <a:chExt cx="2688336" cy="2688336"/>
+          </a:xfrm>
+        </p:grpSpPr>
+        <p:sp>
+          <p:nvSpPr>
+            <p:cNvPr id="23" name="Rectangle 3_"/>
+            <p:cNvSpPr>
+              <a:spLocks/>
+            </p:cNvSpPr>
+            <p:nvPr/>
+          </p:nvSpPr>
+          <p:spPr>
+            <a:xfrm>
+              <a:off x="3265932" y="3555111"/>
+              <a:ext cx="2688336" cy="2688336"/>
+            </a:xfrm>
+            <a:prstGeom prst="roundRect">
+              <a:avLst/>
+            </a:prstGeom>
+            <a:ln>
+              <a:noFill/>
+            </a:ln>
+            <a:scene3d>
+              <a:camera prst="orthographicFront"/>
+              <a:lightRig rig="threePt" dir="t"/>
+            </a:scene3d>
+            <a:sp3d>
+              <a:bevelT w="114300" prst="hardEdge"/>
+            </a:sp3d>
+          </p:spPr>
+          <p:style>
+            <a:lnRef idx="0">
+              <a:schemeClr val="accent1"/>
+            </a:lnRef>
+            <a:fillRef idx="3">
+              <a:schemeClr val="accent1"/>
+            </a:fillRef>
+            <a:effectRef idx="3">
+              <a:schemeClr val="accent1"/>
+            </a:effectRef>
+            <a:fontRef idx="minor">
+              <a:schemeClr val="lt1"/>
+            </a:fontRef>
+          </p:style>
+          <p:txBody>
+            <a:bodyPr rtlCol="0" anchor="ctr"/>
+            <a:lstStyle/>
+            <a:p>
+              <a:pPr algn="ctr"/>
+              <a:endParaRPr lang="en-GB"/>
+            </a:p>
+          </p:txBody>
+        </p:sp>
+        <p:pic>
+          <p:nvPicPr>
+            <p:cNvPr id="5" name="Picture 4"/>
+            <p:cNvPicPr>
+              <a:picLocks noChangeAspect="1"/>
+            </p:cNvPicPr>
+            <p:nvPr/>
+          </p:nvPicPr>
+          <p:blipFill>
+            <a:blip r:embed="rId7">
+              <a:extLst>
+                <a:ext uri="{28A0092B-C50C-407E-A947-70E740481C1C}">
+                  <a14:useLocalDpi xmlns:a14="http://schemas.microsoft.com/office/drawing/2010/main" xmlns="" val="0"/>
+                </a:ext>
+              </a:extLst>
+            </a:blip>
+            <a:stretch>
+              <a:fillRect/>
+            </a:stretch>
+          </p:blipFill>
+          <p:spPr>
+            <a:xfrm>
+              <a:off x="3425940" y="3713748"/>
+              <a:ext cx="2390775" cy="2399717"/>
+            </a:xfrm>
+            <a:prstGeom prst="rect">
+              <a:avLst/>
+            </a:prstGeom>
+          </p:spPr>
+        </p:pic>
+      </p:grpSp>
     </p:spTree>
     <p:extLst>
       <p:ext uri="{BB962C8B-B14F-4D97-AF65-F5344CB8AC3E}">
@@ -3957,6 +4015,458 @@
       </p:par>
     </p:tnLst>
   </p:timing>
+</p:sld>
+</file>
+
+<file path=ppt/slides/slide3.xml><?xml version="1.0" encoding="utf-8"?>
+<p:sld xmlns:a="http://schemas.openxmlformats.org/drawingml/2006/main" xmlns:r="http://schemas.openxmlformats.org/officeDocument/2006/relationships" xmlns:p="http://schemas.openxmlformats.org/presentationml/2006/main">
+  <p:cSld>
+    <p:spTree>
+      <p:nvGrpSpPr>
+        <p:cNvPr id="1" name=""/>
+        <p:cNvGrpSpPr/>
+        <p:nvPr/>
+      </p:nvGrpSpPr>
+      <p:grpSpPr>
+        <a:xfrm>
+          <a:off x="0" y="0"/>
+          <a:ext cx="0" cy="0"/>
+          <a:chOff x="0" y="0"/>
+          <a:chExt cx="0" cy="0"/>
+        </a:xfrm>
+      </p:grpSpPr>
+      <p:sp>
+        <p:nvSpPr>
+          <p:cNvPr id="4" name="Rectangle 3__"/>
+          <p:cNvSpPr>
+            <a:spLocks/>
+          </p:cNvSpPr>
+          <p:nvPr/>
+        </p:nvSpPr>
+        <p:spPr>
+          <a:xfrm>
+            <a:off x="6190140" y="3948143"/>
+            <a:ext cx="2688336" cy="2688336"/>
+          </a:xfrm>
+          <a:prstGeom prst="roundRect">
+            <a:avLst/>
+          </a:prstGeom>
+          <a:ln>
+            <a:noFill/>
+          </a:ln>
+          <a:scene3d>
+            <a:camera prst="orthographicFront"/>
+            <a:lightRig rig="threePt" dir="t"/>
+          </a:scene3d>
+          <a:sp3d>
+            <a:bevelT w="114300" prst="hardEdge"/>
+          </a:sp3d>
+        </p:spPr>
+        <p:style>
+          <a:lnRef idx="0">
+            <a:schemeClr val="accent1"/>
+          </a:lnRef>
+          <a:fillRef idx="3">
+            <a:schemeClr val="accent1"/>
+          </a:fillRef>
+          <a:effectRef idx="3">
+            <a:schemeClr val="accent1"/>
+          </a:effectRef>
+          <a:fontRef idx="minor">
+            <a:schemeClr val="lt1"/>
+          </a:fontRef>
+        </p:style>
+        <p:txBody>
+          <a:bodyPr rtlCol="0" anchor="ctr"/>
+          <a:lstStyle/>
+          <a:p>
+            <a:pPr algn="ctr"/>
+            <a:endParaRPr lang="en-GB"/>
+          </a:p>
+        </p:txBody>
+      </p:sp>
+      <p:sp>
+        <p:nvSpPr>
+          <p:cNvPr id="23" name="Rectangle 3_"/>
+          <p:cNvSpPr>
+            <a:spLocks/>
+          </p:cNvSpPr>
+          <p:nvPr/>
+        </p:nvSpPr>
+        <p:spPr>
+          <a:xfrm>
+            <a:off x="9257658" y="3860774"/>
+            <a:ext cx="2688336" cy="2688336"/>
+          </a:xfrm>
+          <a:prstGeom prst="roundRect">
+            <a:avLst/>
+          </a:prstGeom>
+          <a:ln>
+            <a:noFill/>
+          </a:ln>
+          <a:scene3d>
+            <a:camera prst="orthographicFront"/>
+            <a:lightRig rig="threePt" dir="t"/>
+          </a:scene3d>
+          <a:sp3d>
+            <a:bevelT w="114300" prst="hardEdge"/>
+          </a:sp3d>
+        </p:spPr>
+        <p:style>
+          <a:lnRef idx="0">
+            <a:schemeClr val="accent1"/>
+          </a:lnRef>
+          <a:fillRef idx="3">
+            <a:schemeClr val="accent1"/>
+          </a:fillRef>
+          <a:effectRef idx="3">
+            <a:schemeClr val="accent1"/>
+          </a:effectRef>
+          <a:fontRef idx="minor">
+            <a:schemeClr val="lt1"/>
+          </a:fontRef>
+        </p:style>
+        <p:txBody>
+          <a:bodyPr rtlCol="0" anchor="ctr"/>
+          <a:lstStyle/>
+          <a:p>
+            <a:pPr algn="ctr"/>
+            <a:endParaRPr lang="en-GB"/>
+          </a:p>
+        </p:txBody>
+      </p:sp>
+      <p:pic>
+        <p:nvPicPr>
+          <p:cNvPr id="16" name="Picture 15"/>
+          <p:cNvPicPr>
+            <a:picLocks noChangeAspect="1"/>
+          </p:cNvPicPr>
+          <p:nvPr/>
+        </p:nvPicPr>
+        <p:blipFill rotWithShape="1">
+          <a:blip r:embed="rId2" cstate="print">
+            <a:extLst>
+              <a:ext uri="{28A0092B-C50C-407E-A947-70E740481C1C}">
+                <a14:useLocalDpi xmlns:a14="http://schemas.microsoft.com/office/drawing/2010/main" xmlns="" val="0"/>
+              </a:ext>
+            </a:extLst>
+          </a:blip>
+          <a:srcRect b="8024"/>
+          <a:stretch/>
+        </p:blipFill>
+        <p:spPr>
+          <a:xfrm>
+            <a:off x="269577" y="288324"/>
+            <a:ext cx="4779866" cy="3589490"/>
+          </a:xfrm>
+          <a:prstGeom prst="rect">
+            <a:avLst/>
+          </a:prstGeom>
+        </p:spPr>
+      </p:pic>
+      <p:sp>
+        <p:nvSpPr>
+          <p:cNvPr id="1026" name="AutoShape 2" descr="Image result for we have questions"/>
+          <p:cNvSpPr>
+            <a:spLocks noChangeAspect="1" noChangeArrowheads="1"/>
+          </p:cNvSpPr>
+          <p:nvPr/>
+        </p:nvSpPr>
+        <p:spPr bwMode="auto">
+          <a:xfrm>
+            <a:off x="155575" y="-2636838"/>
+            <a:ext cx="8258175" cy="5505451"/>
+          </a:xfrm>
+          <a:prstGeom prst="rect">
+            <a:avLst/>
+          </a:prstGeom>
+          <a:noFill/>
+        </p:spPr>
+        <p:txBody>
+          <a:bodyPr vert="horz" wrap="square" lIns="91440" tIns="45720" rIns="91440" bIns="45720" numCol="1" anchor="t" anchorCtr="0" compatLnSpc="1">
+            <a:prstTxWarp prst="textNoShape">
+              <a:avLst/>
+            </a:prstTxWarp>
+          </a:bodyPr>
+          <a:lstStyle/>
+          <a:p>
+            <a:endParaRPr lang="en-IN"/>
+          </a:p>
+        </p:txBody>
+      </p:sp>
+      <p:sp>
+        <p:nvSpPr>
+          <p:cNvPr id="14" name="Rectangle 3__"/>
+          <p:cNvSpPr>
+            <a:spLocks/>
+          </p:cNvSpPr>
+          <p:nvPr/>
+        </p:nvSpPr>
+        <p:spPr>
+          <a:xfrm>
+            <a:off x="3144756" y="4003251"/>
+            <a:ext cx="2688336" cy="2688336"/>
+          </a:xfrm>
+          <a:prstGeom prst="roundRect">
+            <a:avLst/>
+          </a:prstGeom>
+          <a:ln>
+            <a:noFill/>
+          </a:ln>
+          <a:scene3d>
+            <a:camera prst="orthographicFront"/>
+            <a:lightRig rig="threePt" dir="t"/>
+          </a:scene3d>
+          <a:sp3d>
+            <a:bevelT w="114300" prst="hardEdge"/>
+          </a:sp3d>
+        </p:spPr>
+        <p:style>
+          <a:lnRef idx="0">
+            <a:schemeClr val="accent1"/>
+          </a:lnRef>
+          <a:fillRef idx="3">
+            <a:schemeClr val="accent1"/>
+          </a:fillRef>
+          <a:effectRef idx="3">
+            <a:schemeClr val="accent1"/>
+          </a:effectRef>
+          <a:fontRef idx="minor">
+            <a:schemeClr val="lt1"/>
+          </a:fontRef>
+        </p:style>
+        <p:txBody>
+          <a:bodyPr rtlCol="0" anchor="ctr"/>
+          <a:lstStyle/>
+          <a:p>
+            <a:pPr algn="ctr"/>
+            <a:endParaRPr lang="en-GB"/>
+          </a:p>
+        </p:txBody>
+      </p:sp>
+    </p:spTree>
+    <p:extLst>
+      <p:ext uri="{BB962C8B-B14F-4D97-AF65-F5344CB8AC3E}">
+        <p14:creationId xmlns:p14="http://schemas.microsoft.com/office/powerpoint/2010/main" xmlns="" val="751333752"/>
+      </p:ext>
+    </p:extLst>
+  </p:cSld>
+  <p:clrMapOvr>
+    <a:masterClrMapping/>
+  </p:clrMapOvr>
+  <p:timing>
+    <p:tnLst>
+      <p:par>
+        <p:cTn id="1" dur="indefinite" restart="never" nodeType="tmRoot"/>
+      </p:par>
+    </p:tnLst>
+  </p:timing>
+</p:sld>
+</file>
+
+<file path=ppt/slides/slide4.xml><?xml version="1.0" encoding="utf-8"?>
+<p:sld xmlns:a="http://schemas.openxmlformats.org/drawingml/2006/main" xmlns:r="http://schemas.openxmlformats.org/officeDocument/2006/relationships" xmlns:p="http://schemas.openxmlformats.org/presentationml/2006/main">
+  <p:cSld>
+    <p:spTree>
+      <p:nvGrpSpPr>
+        <p:cNvPr id="1" name=""/>
+        <p:cNvGrpSpPr/>
+        <p:nvPr/>
+      </p:nvGrpSpPr>
+      <p:grpSpPr>
+        <a:xfrm>
+          <a:off x="0" y="0"/>
+          <a:ext cx="0" cy="0"/>
+          <a:chOff x="0" y="0"/>
+          <a:chExt cx="0" cy="0"/>
+        </a:xfrm>
+      </p:grpSpPr>
+      <p:sp>
+        <p:nvSpPr>
+          <p:cNvPr id="16386" name="AutoShape 2" descr="Image result for we have questions"/>
+          <p:cNvSpPr>
+            <a:spLocks noChangeAspect="1" noChangeArrowheads="1"/>
+          </p:cNvSpPr>
+          <p:nvPr/>
+        </p:nvSpPr>
+        <p:spPr bwMode="auto">
+          <a:xfrm>
+            <a:off x="155575" y="-2636838"/>
+            <a:ext cx="8258175" cy="5505451"/>
+          </a:xfrm>
+          <a:prstGeom prst="rect">
+            <a:avLst/>
+          </a:prstGeom>
+          <a:noFill/>
+        </p:spPr>
+        <p:txBody>
+          <a:bodyPr vert="horz" wrap="square" lIns="91440" tIns="45720" rIns="91440" bIns="45720" numCol="1" anchor="t" anchorCtr="0" compatLnSpc="1">
+            <a:prstTxWarp prst="textNoShape">
+              <a:avLst/>
+            </a:prstTxWarp>
+          </a:bodyPr>
+          <a:lstStyle/>
+          <a:p>
+            <a:endParaRPr lang="en-IN"/>
+          </a:p>
+        </p:txBody>
+      </p:sp>
+      <p:grpSp>
+        <p:nvGrpSpPr>
+          <p:cNvPr id="6" name="Group 5"/>
+          <p:cNvGrpSpPr/>
+          <p:nvPr/>
+        </p:nvGrpSpPr>
+        <p:grpSpPr>
+          <a:xfrm>
+            <a:off x="309948" y="481955"/>
+            <a:ext cx="8949382" cy="5053872"/>
+            <a:chOff x="309948" y="481955"/>
+            <a:chExt cx="8916723" cy="5592316"/>
+          </a:xfrm>
+        </p:grpSpPr>
+        <p:pic>
+          <p:nvPicPr>
+            <p:cNvPr id="3" name="Picture 2" descr="Grow_.jpg"/>
+            <p:cNvPicPr>
+              <a:picLocks noChangeAspect="1"/>
+            </p:cNvPicPr>
+            <p:nvPr/>
+          </p:nvPicPr>
+          <p:blipFill>
+            <a:blip r:embed="rId2" cstate="print"/>
+            <a:stretch>
+              <a:fillRect/>
+            </a:stretch>
+          </p:blipFill>
+          <p:spPr>
+            <a:xfrm>
+              <a:off x="309948" y="494271"/>
+              <a:ext cx="3191574" cy="5580000"/>
+            </a:xfrm>
+            <a:prstGeom prst="rect">
+              <a:avLst/>
+            </a:prstGeom>
+          </p:spPr>
+        </p:pic>
+        <p:pic>
+          <p:nvPicPr>
+            <p:cNvPr id="4" name="Picture 3" descr="Grow_.jpg"/>
+            <p:cNvPicPr>
+              <a:picLocks noChangeAspect="1"/>
+            </p:cNvPicPr>
+            <p:nvPr/>
+          </p:nvPicPr>
+          <p:blipFill>
+            <a:blip r:embed="rId3"/>
+            <a:stretch>
+              <a:fillRect/>
+            </a:stretch>
+          </p:blipFill>
+          <p:spPr>
+            <a:xfrm>
+              <a:off x="3509313" y="481955"/>
+              <a:ext cx="5717358" cy="5580000"/>
+            </a:xfrm>
+            <a:prstGeom prst="rect">
+              <a:avLst/>
+            </a:prstGeom>
+          </p:spPr>
+        </p:pic>
+      </p:grpSp>
+    </p:spTree>
+  </p:cSld>
+  <p:clrMapOvr>
+    <a:masterClrMapping/>
+  </p:clrMapOvr>
+</p:sld>
+</file>
+
+<file path=ppt/slides/slide5.xml><?xml version="1.0" encoding="utf-8"?>
+<p:sld xmlns:a="http://schemas.openxmlformats.org/drawingml/2006/main" xmlns:r="http://schemas.openxmlformats.org/officeDocument/2006/relationships" xmlns:p="http://schemas.openxmlformats.org/presentationml/2006/main">
+  <p:cSld>
+    <p:spTree>
+      <p:nvGrpSpPr>
+        <p:cNvPr id="1" name=""/>
+        <p:cNvGrpSpPr/>
+        <p:nvPr/>
+      </p:nvGrpSpPr>
+      <p:grpSpPr>
+        <a:xfrm>
+          <a:off x="0" y="0"/>
+          <a:ext cx="0" cy="0"/>
+          <a:chOff x="0" y="0"/>
+          <a:chExt cx="0" cy="0"/>
+        </a:xfrm>
+      </p:grpSpPr>
+      <p:grpSp>
+        <p:nvGrpSpPr>
+          <p:cNvPr id="4" name="Group 3"/>
+          <p:cNvGrpSpPr/>
+          <p:nvPr/>
+        </p:nvGrpSpPr>
+        <p:grpSpPr>
+          <a:xfrm>
+            <a:off x="280464" y="313038"/>
+            <a:ext cx="8949600" cy="5054400"/>
+            <a:chOff x="280464" y="313038"/>
+            <a:chExt cx="11162119" cy="5185021"/>
+          </a:xfrm>
+        </p:grpSpPr>
+        <p:pic>
+          <p:nvPicPr>
+            <p:cNvPr id="2" name="Picture 1" descr="Q_.jpeg"/>
+            <p:cNvPicPr>
+              <a:picLocks noChangeAspect="1"/>
+            </p:cNvPicPr>
+            <p:nvPr/>
+          </p:nvPicPr>
+          <p:blipFill>
+            <a:blip r:embed="rId2" cstate="print"/>
+            <a:stretch>
+              <a:fillRect/>
+            </a:stretch>
+          </p:blipFill>
+          <p:spPr>
+            <a:xfrm>
+              <a:off x="280464" y="313038"/>
+              <a:ext cx="5575052" cy="5184000"/>
+            </a:xfrm>
+            <a:prstGeom prst="rect">
+              <a:avLst/>
+            </a:prstGeom>
+          </p:spPr>
+        </p:pic>
+        <p:pic>
+          <p:nvPicPr>
+            <p:cNvPr id="3" name="Picture 2" descr="Ready_.jpg"/>
+            <p:cNvPicPr>
+              <a:picLocks noChangeAspect="1"/>
+            </p:cNvPicPr>
+            <p:nvPr/>
+          </p:nvPicPr>
+          <p:blipFill>
+            <a:blip r:embed="rId3"/>
+            <a:stretch>
+              <a:fillRect/>
+            </a:stretch>
+          </p:blipFill>
+          <p:spPr>
+            <a:xfrm>
+              <a:off x="5856648" y="314059"/>
+              <a:ext cx="5585935" cy="5184000"/>
+            </a:xfrm>
+            <a:prstGeom prst="rect">
+              <a:avLst/>
+            </a:prstGeom>
+          </p:spPr>
+        </p:pic>
+      </p:grpSp>
+    </p:spTree>
+  </p:cSld>
+  <p:clrMapOvr>
+    <a:masterClrMapping/>
+  </p:clrMapOvr>
 </p:sld>
 </file>
 
